--- a/ppt/Python22-SQLAlchemy.pptx
+++ b/ppt/Python22-SQLAlchemy.pptx
@@ -19,10 +19,10 @@
     <p:sldId id="269" r:id="rId7"/>
     <p:sldId id="270" r:id="rId8"/>
     <p:sldId id="271" r:id="rId9"/>
-    <p:sldId id="272" r:id="rId10"/>
-    <p:sldId id="273" r:id="rId11"/>
-    <p:sldId id="274" r:id="rId12"/>
-    <p:sldId id="275" r:id="rId13"/>
+    <p:sldId id="275" r:id="rId10"/>
+    <p:sldId id="272" r:id="rId11"/>
+    <p:sldId id="273" r:id="rId12"/>
+    <p:sldId id="274" r:id="rId13"/>
   </p:sldIdLst>
   <p:sldSz cx="9144000" cy="6858000" type="screen4x3"/>
   <p:notesSz cx="6648450" cy="9782175"/>
@@ -3766,6 +3766,161 @@
           <p:cNvPr id="2" name="Titre 1">
             <a:extLst>
               <a:ext uri="{FF2B5EF4-FFF2-40B4-BE49-F238E27FC236}">
+                <a16:creationId xmlns:a16="http://schemas.microsoft.com/office/drawing/2014/main" id="{F6F3483B-CB72-391B-4CAD-B48FC1CC62EA}"/>
+              </a:ext>
+            </a:extLst>
+          </p:cNvPr>
+          <p:cNvSpPr>
+            <a:spLocks noGrp="1"/>
+          </p:cNvSpPr>
+          <p:nvPr>
+            <p:ph type="title"/>
+          </p:nvPr>
+        </p:nvSpPr>
+        <p:spPr/>
+        <p:txBody>
+          <a:bodyPr/>
+          <a:lstStyle/>
+          <a:p>
+            <a:r>
+              <a:rPr lang="fr-FR" dirty="0" err="1"/>
+              <a:t>Enum</a:t>
+            </a:r>
+            <a:endParaRPr lang="fr-FR" dirty="0"/>
+          </a:p>
+        </p:txBody>
+      </p:sp>
+      <p:sp>
+        <p:nvSpPr>
+          <p:cNvPr id="3" name="Espace réservé du contenu 2">
+            <a:extLst>
+              <a:ext uri="{FF2B5EF4-FFF2-40B4-BE49-F238E27FC236}">
+                <a16:creationId xmlns:a16="http://schemas.microsoft.com/office/drawing/2014/main" id="{32D9C8E2-C831-B806-8C09-B83805569499}"/>
+              </a:ext>
+            </a:extLst>
+          </p:cNvPr>
+          <p:cNvSpPr>
+            <a:spLocks noGrp="1"/>
+          </p:cNvSpPr>
+          <p:nvPr>
+            <p:ph idx="1"/>
+          </p:nvPr>
+        </p:nvSpPr>
+        <p:spPr/>
+        <p:txBody>
+          <a:bodyPr/>
+          <a:lstStyle/>
+          <a:p>
+            <a:r>
+              <a:rPr lang="fr-FR" dirty="0"/>
+              <a:t>Gestion des </a:t>
+            </a:r>
+            <a:r>
+              <a:rPr lang="fr-FR" dirty="0" err="1"/>
+              <a:t>enums</a:t>
+            </a:r>
+            <a:r>
+              <a:rPr lang="fr-FR" dirty="0"/>
+              <a:t> automatique</a:t>
+            </a:r>
+          </a:p>
+        </p:txBody>
+      </p:sp>
+      <p:pic>
+        <p:nvPicPr>
+          <p:cNvPr id="5" name="Image 4">
+            <a:extLst>
+              <a:ext uri="{FF2B5EF4-FFF2-40B4-BE49-F238E27FC236}">
+                <a16:creationId xmlns:a16="http://schemas.microsoft.com/office/drawing/2014/main" id="{53A729ED-8695-352B-A022-E10F95BF4026}"/>
+              </a:ext>
+            </a:extLst>
+          </p:cNvPr>
+          <p:cNvPicPr>
+            <a:picLocks noChangeAspect="1"/>
+          </p:cNvPicPr>
+          <p:nvPr/>
+        </p:nvPicPr>
+        <p:blipFill>
+          <a:blip r:embed="rId2"/>
+          <a:stretch>
+            <a:fillRect/>
+          </a:stretch>
+        </p:blipFill>
+        <p:spPr>
+          <a:xfrm>
+            <a:off x="2858463" y="2474576"/>
+            <a:ext cx="2267266" cy="1114581"/>
+          </a:xfrm>
+          <a:prstGeom prst="rect">
+            <a:avLst/>
+          </a:prstGeom>
+        </p:spPr>
+      </p:pic>
+      <p:pic>
+        <p:nvPicPr>
+          <p:cNvPr id="7" name="Image 6">
+            <a:extLst>
+              <a:ext uri="{FF2B5EF4-FFF2-40B4-BE49-F238E27FC236}">
+                <a16:creationId xmlns:a16="http://schemas.microsoft.com/office/drawing/2014/main" id="{138A6BA7-EA7B-C9E5-C921-625743177F8C}"/>
+              </a:ext>
+            </a:extLst>
+          </p:cNvPr>
+          <p:cNvPicPr>
+            <a:picLocks noChangeAspect="1"/>
+          </p:cNvPicPr>
+          <p:nvPr/>
+        </p:nvPicPr>
+        <p:blipFill>
+          <a:blip r:embed="rId3"/>
+          <a:stretch>
+            <a:fillRect/>
+          </a:stretch>
+        </p:blipFill>
+        <p:spPr>
+          <a:xfrm>
+            <a:off x="2267744" y="4383424"/>
+            <a:ext cx="4344006" cy="1733792"/>
+          </a:xfrm>
+          <a:prstGeom prst="rect">
+            <a:avLst/>
+          </a:prstGeom>
+        </p:spPr>
+      </p:pic>
+    </p:spTree>
+    <p:extLst>
+      <p:ext uri="{BB962C8B-B14F-4D97-AF65-F5344CB8AC3E}">
+        <p14:creationId xmlns:p14="http://schemas.microsoft.com/office/powerpoint/2010/main" val="1500673685"/>
+      </p:ext>
+    </p:extLst>
+  </p:cSld>
+  <p:clrMapOvr>
+    <a:masterClrMapping/>
+  </p:clrMapOvr>
+</p:sld>
+</file>
+
+<file path=ppt/slides/slide11.xml><?xml version="1.0" encoding="utf-8"?>
+<p:sld xmlns:a="http://schemas.openxmlformats.org/drawingml/2006/main" xmlns:r="http://schemas.openxmlformats.org/officeDocument/2006/relationships" xmlns:p="http://schemas.openxmlformats.org/presentationml/2006/main">
+  <p:cSld>
+    <p:spTree>
+      <p:nvGrpSpPr>
+        <p:cNvPr id="1" name=""/>
+        <p:cNvGrpSpPr/>
+        <p:nvPr/>
+      </p:nvGrpSpPr>
+      <p:grpSpPr>
+        <a:xfrm>
+          <a:off x="0" y="0"/>
+          <a:ext cx="0" cy="0"/>
+          <a:chOff x="0" y="0"/>
+          <a:chExt cx="0" cy="0"/>
+        </a:xfrm>
+      </p:grpSpPr>
+      <p:sp>
+        <p:nvSpPr>
+          <p:cNvPr id="2" name="Titre 1">
+            <a:extLst>
+              <a:ext uri="{FF2B5EF4-FFF2-40B4-BE49-F238E27FC236}">
                 <a16:creationId xmlns:a16="http://schemas.microsoft.com/office/drawing/2014/main" id="{EEA00E06-C3ED-67D7-5200-191FC50857D0}"/>
               </a:ext>
             </a:extLst>
@@ -3862,7 +4017,7 @@
 </p:sld>
 </file>
 
-<file path=ppt/slides/slide11.xml><?xml version="1.0" encoding="utf-8"?>
+<file path=ppt/slides/slide12.xml><?xml version="1.0" encoding="utf-8"?>
 <p:sld xmlns:a="http://schemas.openxmlformats.org/drawingml/2006/main" xmlns:r="http://schemas.openxmlformats.org/officeDocument/2006/relationships" xmlns:p="http://schemas.openxmlformats.org/presentationml/2006/main">
   <p:cSld>
     <p:spTree>
@@ -3988,131 +4143,6 @@
 </p:sld>
 </file>
 
-<file path=ppt/slides/slide12.xml><?xml version="1.0" encoding="utf-8"?>
-<p:sld xmlns:a="http://schemas.openxmlformats.org/drawingml/2006/main" xmlns:r="http://schemas.openxmlformats.org/officeDocument/2006/relationships" xmlns:p="http://schemas.openxmlformats.org/presentationml/2006/main">
-  <p:cSld>
-    <p:spTree>
-      <p:nvGrpSpPr>
-        <p:cNvPr id="1" name=""/>
-        <p:cNvGrpSpPr/>
-        <p:nvPr/>
-      </p:nvGrpSpPr>
-      <p:grpSpPr>
-        <a:xfrm>
-          <a:off x="0" y="0"/>
-          <a:ext cx="0" cy="0"/>
-          <a:chOff x="0" y="0"/>
-          <a:chExt cx="0" cy="0"/>
-        </a:xfrm>
-      </p:grpSpPr>
-      <p:sp>
-        <p:nvSpPr>
-          <p:cNvPr id="2" name="Titre 1">
-            <a:extLst>
-              <a:ext uri="{FF2B5EF4-FFF2-40B4-BE49-F238E27FC236}">
-                <a16:creationId xmlns:a16="http://schemas.microsoft.com/office/drawing/2014/main" id="{E7F6D0CE-479C-3871-5FDF-90B844A4704D}"/>
-              </a:ext>
-            </a:extLst>
-          </p:cNvPr>
-          <p:cNvSpPr>
-            <a:spLocks noGrp="1"/>
-          </p:cNvSpPr>
-          <p:nvPr>
-            <p:ph type="title"/>
-          </p:nvPr>
-        </p:nvSpPr>
-        <p:spPr/>
-        <p:txBody>
-          <a:bodyPr/>
-          <a:lstStyle/>
-          <a:p>
-            <a:r>
-              <a:rPr lang="fr-FR" dirty="0"/>
-              <a:t>Contexte</a:t>
-            </a:r>
-          </a:p>
-        </p:txBody>
-      </p:sp>
-      <p:sp>
-        <p:nvSpPr>
-          <p:cNvPr id="3" name="Espace réservé du contenu 2">
-            <a:extLst>
-              <a:ext uri="{FF2B5EF4-FFF2-40B4-BE49-F238E27FC236}">
-                <a16:creationId xmlns:a16="http://schemas.microsoft.com/office/drawing/2014/main" id="{2E18EE0E-C332-8C2C-3017-AF20D5AB991B}"/>
-              </a:ext>
-            </a:extLst>
-          </p:cNvPr>
-          <p:cNvSpPr>
-            <a:spLocks noGrp="1"/>
-          </p:cNvSpPr>
-          <p:nvPr>
-            <p:ph idx="1"/>
-          </p:nvPr>
-        </p:nvSpPr>
-        <p:spPr/>
-        <p:txBody>
-          <a:bodyPr/>
-          <a:lstStyle/>
-          <a:p>
-            <a:r>
-              <a:rPr lang="fr-FR" dirty="0" err="1"/>
-              <a:t>Add</a:t>
-            </a:r>
-            <a:endParaRPr lang="fr-FR" dirty="0"/>
-          </a:p>
-          <a:p>
-            <a:pPr lvl="1"/>
-            <a:r>
-              <a:rPr lang="fr-FR" dirty="0"/>
-              <a:t>ajoute au contexte</a:t>
-            </a:r>
-          </a:p>
-          <a:p>
-            <a:r>
-              <a:rPr lang="fr-FR" dirty="0"/>
-              <a:t>Commit</a:t>
-            </a:r>
-          </a:p>
-          <a:p>
-            <a:pPr lvl="1"/>
-            <a:r>
-              <a:rPr lang="fr-FR" dirty="0"/>
-              <a:t>Commit le contexte</a:t>
-            </a:r>
-          </a:p>
-          <a:p>
-            <a:r>
-              <a:rPr lang="fr-FR" dirty="0"/>
-              <a:t>Exécute</a:t>
-            </a:r>
-          </a:p>
-          <a:p>
-            <a:pPr lvl="1"/>
-            <a:r>
-              <a:rPr lang="fr-FR" dirty="0"/>
-              <a:t>Exécute </a:t>
-            </a:r>
-            <a:r>
-              <a:rPr lang="fr-FR"/>
-              <a:t>une requête</a:t>
-            </a:r>
-            <a:endParaRPr lang="fr-FR" dirty="0"/>
-          </a:p>
-        </p:txBody>
-      </p:sp>
-    </p:spTree>
-    <p:extLst>
-      <p:ext uri="{BB962C8B-B14F-4D97-AF65-F5344CB8AC3E}">
-        <p14:creationId xmlns:p14="http://schemas.microsoft.com/office/powerpoint/2010/main" val="3972787384"/>
-      </p:ext>
-    </p:extLst>
-  </p:cSld>
-  <p:clrMapOvr>
-    <a:masterClrMapping/>
-  </p:clrMapOvr>
-</p:sld>
-</file>
-
 <file path=ppt/slides/slide2.xml><?xml version="1.0" encoding="utf-8"?>
 <p:sld xmlns:a="http://schemas.openxmlformats.org/drawingml/2006/main" xmlns:r="http://schemas.openxmlformats.org/officeDocument/2006/relationships" xmlns:p="http://schemas.openxmlformats.org/presentationml/2006/main">
   <p:cSld>
@@ -4202,6 +4232,24 @@
             <a:endParaRPr lang="fr-FR" dirty="0"/>
           </a:p>
           <a:p>
+            <a:r>
+              <a:rPr lang="fr-FR" dirty="0" err="1"/>
+              <a:t>pip</a:t>
+            </a:r>
+            <a:r>
+              <a:rPr lang="fr-FR" dirty="0"/>
+              <a:t> </a:t>
+            </a:r>
+            <a:r>
+              <a:rPr lang="fr-FR" dirty="0" err="1"/>
+              <a:t>install</a:t>
+            </a:r>
+            <a:r>
+              <a:rPr lang="fr-FR" dirty="0"/>
+              <a:t> psycopg2</a:t>
+            </a:r>
+          </a:p>
+          <a:p>
             <a:endParaRPr lang="fr-FR" dirty="0"/>
           </a:p>
           <a:p>
@@ -4239,7 +4287,7 @@
         </p:blipFill>
         <p:spPr bwMode="auto">
           <a:xfrm>
-            <a:off x="2195736" y="2996952"/>
+            <a:off x="3131840" y="3429000"/>
             <a:ext cx="4467225" cy="3171825"/>
           </a:xfrm>
           <a:prstGeom prst="rect">
@@ -5259,7 +5307,7 @@
           <p:cNvPr id="2" name="Titre 1">
             <a:extLst>
               <a:ext uri="{FF2B5EF4-FFF2-40B4-BE49-F238E27FC236}">
-                <a16:creationId xmlns:a16="http://schemas.microsoft.com/office/drawing/2014/main" id="{F6F3483B-CB72-391B-4CAD-B48FC1CC62EA}"/>
+                <a16:creationId xmlns:a16="http://schemas.microsoft.com/office/drawing/2014/main" id="{E7F6D0CE-479C-3871-5FDF-90B844A4704D}"/>
               </a:ext>
             </a:extLst>
           </p:cNvPr>
@@ -5276,10 +5324,9 @@
           <a:lstStyle/>
           <a:p>
             <a:r>
-              <a:rPr lang="fr-FR" dirty="0" err="1"/>
-              <a:t>Enum</a:t>
-            </a:r>
-            <a:endParaRPr lang="fr-FR" dirty="0"/>
+              <a:rPr lang="fr-FR" dirty="0"/>
+              <a:t>Contexte</a:t>
+            </a:r>
           </a:p>
         </p:txBody>
       </p:sp>
@@ -5288,7 +5335,7 @@
           <p:cNvPr id="3" name="Espace réservé du contenu 2">
             <a:extLst>
               <a:ext uri="{FF2B5EF4-FFF2-40B4-BE49-F238E27FC236}">
-                <a16:creationId xmlns:a16="http://schemas.microsoft.com/office/drawing/2014/main" id="{32D9C8E2-C831-B806-8C09-B83805569499}"/>
+                <a16:creationId xmlns:a16="http://schemas.microsoft.com/office/drawing/2014/main" id="{2E18EE0E-C332-8C2C-3017-AF20D5AB991B}"/>
               </a:ext>
             </a:extLst>
           </p:cNvPr>
@@ -5305,84 +5352,55 @@
           <a:lstStyle/>
           <a:p>
             <a:r>
+              <a:rPr lang="fr-FR" dirty="0" err="1"/>
+              <a:t>Add</a:t>
+            </a:r>
+            <a:endParaRPr lang="fr-FR" dirty="0"/>
+          </a:p>
+          <a:p>
+            <a:pPr lvl="1"/>
+            <a:r>
               <a:rPr lang="fr-FR" dirty="0"/>
-              <a:t>Gestion des </a:t>
-            </a:r>
-            <a:r>
-              <a:rPr lang="fr-FR" dirty="0" err="1"/>
-              <a:t>enums</a:t>
-            </a:r>
+              <a:t>ajoute au contexte</a:t>
+            </a:r>
+          </a:p>
+          <a:p>
             <a:r>
               <a:rPr lang="fr-FR" dirty="0"/>
-              <a:t> automatique</a:t>
-            </a:r>
+              <a:t>Commit</a:t>
+            </a:r>
+          </a:p>
+          <a:p>
+            <a:pPr lvl="1"/>
+            <a:r>
+              <a:rPr lang="fr-FR" dirty="0"/>
+              <a:t>Commit le contexte</a:t>
+            </a:r>
+          </a:p>
+          <a:p>
+            <a:r>
+              <a:rPr lang="fr-FR" dirty="0"/>
+              <a:t>Exécute</a:t>
+            </a:r>
+          </a:p>
+          <a:p>
+            <a:pPr lvl="1"/>
+            <a:r>
+              <a:rPr lang="fr-FR" dirty="0"/>
+              <a:t>Exécute </a:t>
+            </a:r>
+            <a:r>
+              <a:rPr lang="fr-FR"/>
+              <a:t>une requête</a:t>
+            </a:r>
+            <a:endParaRPr lang="fr-FR" dirty="0"/>
           </a:p>
         </p:txBody>
       </p:sp>
-      <p:pic>
-        <p:nvPicPr>
-          <p:cNvPr id="5" name="Image 4">
-            <a:extLst>
-              <a:ext uri="{FF2B5EF4-FFF2-40B4-BE49-F238E27FC236}">
-                <a16:creationId xmlns:a16="http://schemas.microsoft.com/office/drawing/2014/main" id="{53A729ED-8695-352B-A022-E10F95BF4026}"/>
-              </a:ext>
-            </a:extLst>
-          </p:cNvPr>
-          <p:cNvPicPr>
-            <a:picLocks noChangeAspect="1"/>
-          </p:cNvPicPr>
-          <p:nvPr/>
-        </p:nvPicPr>
-        <p:blipFill>
-          <a:blip r:embed="rId2"/>
-          <a:stretch>
-            <a:fillRect/>
-          </a:stretch>
-        </p:blipFill>
-        <p:spPr>
-          <a:xfrm>
-            <a:off x="2858463" y="2474576"/>
-            <a:ext cx="2267266" cy="1114581"/>
-          </a:xfrm>
-          <a:prstGeom prst="rect">
-            <a:avLst/>
-          </a:prstGeom>
-        </p:spPr>
-      </p:pic>
-      <p:pic>
-        <p:nvPicPr>
-          <p:cNvPr id="7" name="Image 6">
-            <a:extLst>
-              <a:ext uri="{FF2B5EF4-FFF2-40B4-BE49-F238E27FC236}">
-                <a16:creationId xmlns:a16="http://schemas.microsoft.com/office/drawing/2014/main" id="{138A6BA7-EA7B-C9E5-C921-625743177F8C}"/>
-              </a:ext>
-            </a:extLst>
-          </p:cNvPr>
-          <p:cNvPicPr>
-            <a:picLocks noChangeAspect="1"/>
-          </p:cNvPicPr>
-          <p:nvPr/>
-        </p:nvPicPr>
-        <p:blipFill>
-          <a:blip r:embed="rId3"/>
-          <a:stretch>
-            <a:fillRect/>
-          </a:stretch>
-        </p:blipFill>
-        <p:spPr>
-          <a:xfrm>
-            <a:off x="2267744" y="4383424"/>
-            <a:ext cx="4344006" cy="1733792"/>
-          </a:xfrm>
-          <a:prstGeom prst="rect">
-            <a:avLst/>
-          </a:prstGeom>
-        </p:spPr>
-      </p:pic>
     </p:spTree>
     <p:extLst>
       <p:ext uri="{BB962C8B-B14F-4D97-AF65-F5344CB8AC3E}">
-        <p14:creationId xmlns:p14="http://schemas.microsoft.com/office/powerpoint/2010/main" val="1500673685"/>
+        <p14:creationId xmlns:p14="http://schemas.microsoft.com/office/powerpoint/2010/main" val="3972787384"/>
       </p:ext>
     </p:extLst>
   </p:cSld>

--- a/ppt/Python22-SQLAlchemy.pptx
+++ b/ppt/Python22-SQLAlchemy.pptx
@@ -5,10 +5,10 @@
     <p:sldMasterId id="2147483653" r:id="rId1"/>
   </p:sldMasterIdLst>
   <p:notesMasterIdLst>
-    <p:notesMasterId r:id="rId14"/>
+    <p:notesMasterId r:id="rId16"/>
   </p:notesMasterIdLst>
   <p:handoutMasterIdLst>
-    <p:handoutMasterId r:id="rId15"/>
+    <p:handoutMasterId r:id="rId17"/>
   </p:handoutMasterIdLst>
   <p:sldIdLst>
     <p:sldId id="264" r:id="rId2"/>
@@ -23,6 +23,8 @@
     <p:sldId id="272" r:id="rId11"/>
     <p:sldId id="273" r:id="rId12"/>
     <p:sldId id="274" r:id="rId13"/>
+    <p:sldId id="277" r:id="rId14"/>
+    <p:sldId id="276" r:id="rId15"/>
   </p:sldIdLst>
   <p:sldSz cx="9144000" cy="6858000" type="screen4x3"/>
   <p:notesSz cx="6648450" cy="9782175"/>
@@ -4134,6 +4136,307 @@
     <p:extLst>
       <p:ext uri="{BB962C8B-B14F-4D97-AF65-F5344CB8AC3E}">
         <p14:creationId xmlns:p14="http://schemas.microsoft.com/office/powerpoint/2010/main" val="2113193081"/>
+      </p:ext>
+    </p:extLst>
+  </p:cSld>
+  <p:clrMapOvr>
+    <a:masterClrMapping/>
+  </p:clrMapOvr>
+</p:sld>
+</file>
+
+<file path=ppt/slides/slide13.xml><?xml version="1.0" encoding="utf-8"?>
+<p:sld xmlns:a="http://schemas.openxmlformats.org/drawingml/2006/main" xmlns:r="http://schemas.openxmlformats.org/officeDocument/2006/relationships" xmlns:p="http://schemas.openxmlformats.org/presentationml/2006/main">
+  <p:cSld>
+    <p:spTree>
+      <p:nvGrpSpPr>
+        <p:cNvPr id="1" name=""/>
+        <p:cNvGrpSpPr/>
+        <p:nvPr/>
+      </p:nvGrpSpPr>
+      <p:grpSpPr>
+        <a:xfrm>
+          <a:off x="0" y="0"/>
+          <a:ext cx="0" cy="0"/>
+          <a:chOff x="0" y="0"/>
+          <a:chExt cx="0" cy="0"/>
+        </a:xfrm>
+      </p:grpSpPr>
+      <p:sp>
+        <p:nvSpPr>
+          <p:cNvPr id="2" name="Titre 1">
+            <a:extLst>
+              <a:ext uri="{FF2B5EF4-FFF2-40B4-BE49-F238E27FC236}">
+                <a16:creationId xmlns:a16="http://schemas.microsoft.com/office/drawing/2014/main" id="{ECF4BACD-D76B-83CB-93AD-B44C8236DE80}"/>
+              </a:ext>
+            </a:extLst>
+          </p:cNvPr>
+          <p:cNvSpPr>
+            <a:spLocks noGrp="1"/>
+          </p:cNvSpPr>
+          <p:nvPr>
+            <p:ph type="title"/>
+          </p:nvPr>
+        </p:nvSpPr>
+        <p:spPr/>
+        <p:txBody>
+          <a:bodyPr/>
+          <a:lstStyle/>
+          <a:p>
+            <a:r>
+              <a:rPr lang="fr-FR" dirty="0"/>
+              <a:t>Contraintes</a:t>
+            </a:r>
+          </a:p>
+        </p:txBody>
+      </p:sp>
+      <p:sp>
+        <p:nvSpPr>
+          <p:cNvPr id="3" name="Espace réservé du contenu 2">
+            <a:extLst>
+              <a:ext uri="{FF2B5EF4-FFF2-40B4-BE49-F238E27FC236}">
+                <a16:creationId xmlns:a16="http://schemas.microsoft.com/office/drawing/2014/main" id="{74CA3F59-3163-588F-68A3-80CB2DCA1F6B}"/>
+              </a:ext>
+            </a:extLst>
+          </p:cNvPr>
+          <p:cNvSpPr>
+            <a:spLocks noGrp="1"/>
+          </p:cNvSpPr>
+          <p:nvPr>
+            <p:ph idx="1"/>
+          </p:nvPr>
+        </p:nvSpPr>
+        <p:spPr/>
+        <p:txBody>
+          <a:bodyPr/>
+          <a:lstStyle/>
+          <a:p>
+            <a:r>
+              <a:rPr lang="fr-FR" dirty="0"/>
+              <a:t>Unicité</a:t>
+            </a:r>
+          </a:p>
+          <a:p>
+            <a:r>
+              <a:rPr lang="fr-FR" dirty="0"/>
+              <a:t>Type</a:t>
+            </a:r>
+          </a:p>
+          <a:p>
+            <a:r>
+              <a:rPr lang="fr-FR" dirty="0" err="1"/>
+              <a:t>Nullable</a:t>
+            </a:r>
+            <a:endParaRPr lang="fr-FR" dirty="0"/>
+          </a:p>
+          <a:p>
+            <a:r>
+              <a:rPr lang="fr-FR"/>
+              <a:t>Conditions</a:t>
+            </a:r>
+          </a:p>
+        </p:txBody>
+      </p:sp>
+    </p:spTree>
+    <p:extLst>
+      <p:ext uri="{BB962C8B-B14F-4D97-AF65-F5344CB8AC3E}">
+        <p14:creationId xmlns:p14="http://schemas.microsoft.com/office/powerpoint/2010/main" val="54770941"/>
+      </p:ext>
+    </p:extLst>
+  </p:cSld>
+  <p:clrMapOvr>
+    <a:masterClrMapping/>
+  </p:clrMapOvr>
+</p:sld>
+</file>
+
+<file path=ppt/slides/slide14.xml><?xml version="1.0" encoding="utf-8"?>
+<p:sld xmlns:a="http://schemas.openxmlformats.org/drawingml/2006/main" xmlns:r="http://schemas.openxmlformats.org/officeDocument/2006/relationships" xmlns:p="http://schemas.openxmlformats.org/presentationml/2006/main">
+  <p:cSld>
+    <p:spTree>
+      <p:nvGrpSpPr>
+        <p:cNvPr id="1" name=""/>
+        <p:cNvGrpSpPr/>
+        <p:nvPr/>
+      </p:nvGrpSpPr>
+      <p:grpSpPr>
+        <a:xfrm>
+          <a:off x="0" y="0"/>
+          <a:ext cx="0" cy="0"/>
+          <a:chOff x="0" y="0"/>
+          <a:chExt cx="0" cy="0"/>
+        </a:xfrm>
+      </p:grpSpPr>
+      <p:sp>
+        <p:nvSpPr>
+          <p:cNvPr id="2" name="Titre 1">
+            <a:extLst>
+              <a:ext uri="{FF2B5EF4-FFF2-40B4-BE49-F238E27FC236}">
+                <a16:creationId xmlns:a16="http://schemas.microsoft.com/office/drawing/2014/main" id="{EF72F68E-4A5A-1BB8-F58F-E53694C4B14E}"/>
+              </a:ext>
+            </a:extLst>
+          </p:cNvPr>
+          <p:cNvSpPr>
+            <a:spLocks noGrp="1"/>
+          </p:cNvSpPr>
+          <p:nvPr>
+            <p:ph type="title"/>
+          </p:nvPr>
+        </p:nvSpPr>
+        <p:spPr/>
+        <p:txBody>
+          <a:bodyPr/>
+          <a:lstStyle/>
+          <a:p>
+            <a:r>
+              <a:rPr lang="fr-FR" dirty="0"/>
+              <a:t>Migration </a:t>
+            </a:r>
+            <a:r>
+              <a:rPr lang="fr-FR" dirty="0" err="1"/>
+              <a:t>Alembic</a:t>
+            </a:r>
+            <a:endParaRPr lang="fr-FR" dirty="0"/>
+          </a:p>
+        </p:txBody>
+      </p:sp>
+      <p:sp>
+        <p:nvSpPr>
+          <p:cNvPr id="3" name="Espace réservé du contenu 2">
+            <a:extLst>
+              <a:ext uri="{FF2B5EF4-FFF2-40B4-BE49-F238E27FC236}">
+                <a16:creationId xmlns:a16="http://schemas.microsoft.com/office/drawing/2014/main" id="{B0B559CE-FF07-D054-CD43-E883A8EE934E}"/>
+              </a:ext>
+            </a:extLst>
+          </p:cNvPr>
+          <p:cNvSpPr>
+            <a:spLocks noGrp="1"/>
+          </p:cNvSpPr>
+          <p:nvPr>
+            <p:ph idx="1"/>
+          </p:nvPr>
+        </p:nvSpPr>
+        <p:spPr/>
+        <p:txBody>
+          <a:bodyPr/>
+          <a:lstStyle/>
+          <a:p>
+            <a:r>
+              <a:rPr lang="fr-FR" dirty="0" err="1"/>
+              <a:t>Alembic</a:t>
+            </a:r>
+            <a:endParaRPr lang="fr-FR" dirty="0"/>
+          </a:p>
+          <a:p>
+            <a:r>
+              <a:rPr lang="fr-FR" dirty="0" err="1"/>
+              <a:t>pip</a:t>
+            </a:r>
+            <a:r>
+              <a:rPr lang="fr-FR" dirty="0"/>
+              <a:t> </a:t>
+            </a:r>
+            <a:r>
+              <a:rPr lang="fr-FR" dirty="0" err="1"/>
+              <a:t>install</a:t>
+            </a:r>
+            <a:r>
+              <a:rPr lang="fr-FR" dirty="0"/>
+              <a:t> </a:t>
+            </a:r>
+            <a:r>
+              <a:rPr lang="fr-FR" dirty="0" err="1"/>
+              <a:t>alembic</a:t>
+            </a:r>
+            <a:endParaRPr lang="fr-FR" dirty="0"/>
+          </a:p>
+          <a:p>
+            <a:pPr lvl="1"/>
+            <a:r>
+              <a:rPr lang="fr-FR" dirty="0" err="1"/>
+              <a:t>alembic</a:t>
+            </a:r>
+            <a:r>
+              <a:rPr lang="fr-FR" dirty="0"/>
+              <a:t> init </a:t>
+            </a:r>
+            <a:r>
+              <a:rPr lang="fr-FR" dirty="0" err="1"/>
+              <a:t>alembic</a:t>
+            </a:r>
+            <a:endParaRPr lang="fr-FR" dirty="0"/>
+          </a:p>
+          <a:p>
+            <a:pPr lvl="1"/>
+            <a:r>
+              <a:rPr lang="fr-FR" dirty="0"/>
+              <a:t>Modifier le fichier racine alembic.ini</a:t>
+            </a:r>
+          </a:p>
+          <a:p>
+            <a:pPr lvl="1"/>
+            <a:r>
+              <a:rPr lang="fr-FR" sz="2000" dirty="0"/>
+              <a:t>sqlalchemy.url = postgresql://postgres:sa@localhost/formation</a:t>
+            </a:r>
+          </a:p>
+          <a:p>
+            <a:r>
+              <a:rPr lang="fr-FR" sz="2400" dirty="0"/>
+              <a:t>Création du premier </a:t>
+            </a:r>
+            <a:r>
+              <a:rPr lang="fr-FR" sz="2400" dirty="0" err="1"/>
+              <a:t>migrate</a:t>
+            </a:r>
+            <a:endParaRPr lang="fr-FR" sz="2400" dirty="0"/>
+          </a:p>
+          <a:p>
+            <a:pPr lvl="1"/>
+            <a:r>
+              <a:rPr lang="en-US" sz="2000" dirty="0"/>
+              <a:t>Dans env.py </a:t>
+            </a:r>
+            <a:r>
+              <a:rPr lang="en-US" sz="2000" dirty="0" err="1"/>
+              <a:t>ajouter</a:t>
+            </a:r>
+            <a:r>
+              <a:rPr lang="en-US" sz="2000"/>
+              <a:t> import entities</a:t>
+            </a:r>
+            <a:endParaRPr lang="fr-FR" sz="2000" dirty="0"/>
+          </a:p>
+          <a:p>
+            <a:pPr lvl="1"/>
+            <a:r>
+              <a:rPr lang="en-US" sz="2000" dirty="0"/>
+              <a:t>alembic revision -m "initial“</a:t>
+            </a:r>
+          </a:p>
+          <a:p>
+            <a:r>
+              <a:rPr lang="en-US" sz="2400" dirty="0"/>
+              <a:t>Première migration</a:t>
+            </a:r>
+          </a:p>
+          <a:p>
+            <a:pPr lvl="1"/>
+            <a:r>
+              <a:rPr lang="en-US" sz="2000" dirty="0"/>
+              <a:t>alembic upgrade head</a:t>
+            </a:r>
+          </a:p>
+          <a:p>
+            <a:pPr lvl="1"/>
+            <a:endParaRPr lang="en-US" sz="2000" dirty="0"/>
+          </a:p>
+        </p:txBody>
+      </p:sp>
+    </p:spTree>
+    <p:extLst>
+      <p:ext uri="{BB962C8B-B14F-4D97-AF65-F5344CB8AC3E}">
+        <p14:creationId xmlns:p14="http://schemas.microsoft.com/office/powerpoint/2010/main" val="581169786"/>
       </p:ext>
     </p:extLst>
   </p:cSld>

--- a/ppt/Python22-SQLAlchemy.pptx
+++ b/ppt/Python22-SQLAlchemy.pptx
@@ -4323,13 +4323,6 @@
           <a:p>
             <a:r>
               <a:rPr lang="fr-FR" dirty="0" err="1"/>
-              <a:t>Alembic</a:t>
-            </a:r>
-            <a:endParaRPr lang="fr-FR" dirty="0"/>
-          </a:p>
-          <a:p>
-            <a:r>
-              <a:rPr lang="fr-FR" dirty="0" err="1"/>
               <a:t>pip</a:t>
             </a:r>
             <a:r>
@@ -4353,23 +4346,23 @@
           <a:p>
             <a:pPr lvl="1"/>
             <a:r>
-              <a:rPr lang="fr-FR" dirty="0" err="1"/>
+              <a:rPr lang="fr-FR" sz="2000" dirty="0" err="1"/>
               <a:t>alembic</a:t>
             </a:r>
             <a:r>
-              <a:rPr lang="fr-FR" dirty="0"/>
+              <a:rPr lang="fr-FR" sz="2000" dirty="0"/>
               <a:t> init </a:t>
             </a:r>
             <a:r>
-              <a:rPr lang="fr-FR" dirty="0" err="1"/>
+              <a:rPr lang="fr-FR" sz="2000" dirty="0" err="1"/>
               <a:t>alembic</a:t>
             </a:r>
-            <a:endParaRPr lang="fr-FR" dirty="0"/>
+            <a:endParaRPr lang="fr-FR" sz="2000" dirty="0"/>
           </a:p>
           <a:p>
             <a:pPr lvl="1"/>
             <a:r>
-              <a:rPr lang="fr-FR" dirty="0"/>
+              <a:rPr lang="fr-FR" sz="2000" dirty="0"/>
               <a:t>Modifier le fichier racine alembic.ini</a:t>
             </a:r>
           </a:p>
@@ -4402,16 +4395,90 @@
               <a:t>ajouter</a:t>
             </a:r>
             <a:r>
-              <a:rPr lang="en-US" sz="2000"/>
-              <a:t> import entities</a:t>
+              <a:rPr lang="en-US" sz="2000" dirty="0"/>
+              <a:t> (avec les imports sys et </a:t>
+            </a:r>
+            <a:r>
+              <a:rPr lang="en-US" sz="2000" dirty="0" err="1"/>
+              <a:t>pathlib</a:t>
+            </a:r>
+            <a:r>
+              <a:rPr lang="en-US" sz="2000" dirty="0"/>
+              <a:t>)</a:t>
+            </a:r>
+          </a:p>
+          <a:p>
+            <a:pPr lvl="1"/>
+            <a:r>
+              <a:rPr lang="fr-FR" sz="2000" dirty="0" err="1"/>
+              <a:t>sys.path.insert</a:t>
+            </a:r>
+            <a:r>
+              <a:rPr lang="fr-FR" sz="2000" dirty="0"/>
+              <a:t>(0, </a:t>
+            </a:r>
+            <a:r>
+              <a:rPr lang="fr-FR" sz="2000" dirty="0" err="1"/>
+              <a:t>str</a:t>
+            </a:r>
+            <a:r>
+              <a:rPr lang="fr-FR" sz="2000" dirty="0"/>
+              <a:t>(</a:t>
+            </a:r>
+            <a:r>
+              <a:rPr lang="fr-FR" sz="2000" dirty="0" err="1"/>
+              <a:t>pathlib.Path</a:t>
+            </a:r>
+            <a:r>
+              <a:rPr lang="fr-FR" sz="2000" dirty="0"/>
+              <a:t>(__file__).parent))</a:t>
+            </a:r>
+          </a:p>
+          <a:p>
+            <a:pPr lvl="1"/>
+            <a:r>
+              <a:rPr lang="fr-FR" sz="2000" dirty="0"/>
+              <a:t>Import </a:t>
+            </a:r>
+            <a:r>
+              <a:rPr lang="fr-FR" sz="2000" dirty="0" err="1"/>
+              <a:t>db_context</a:t>
             </a:r>
             <a:endParaRPr lang="fr-FR" sz="2000" dirty="0"/>
           </a:p>
           <a:p>
             <a:pPr lvl="1"/>
             <a:r>
+              <a:rPr lang="fr-FR" sz="2000" dirty="0"/>
+              <a:t>Import </a:t>
+            </a:r>
+            <a:r>
+              <a:rPr lang="fr-FR" sz="2000" dirty="0" err="1"/>
+              <a:t>entities</a:t>
+            </a:r>
+            <a:endParaRPr lang="fr-FR" sz="2000" dirty="0"/>
+          </a:p>
+          <a:p>
+            <a:pPr lvl="1"/>
+            <a:r>
+              <a:rPr lang="fr-FR" sz="2000" dirty="0" err="1"/>
+              <a:t>Alembic</a:t>
+            </a:r>
+            <a:r>
+              <a:rPr lang="fr-FR" sz="2000" dirty="0"/>
+              <a:t> </a:t>
+            </a:r>
+            <a:r>
+              <a:rPr lang="fr-FR" sz="2000" dirty="0" err="1"/>
+              <a:t>current</a:t>
+            </a:r>
+            <a:endParaRPr lang="fr-FR" sz="2000" dirty="0"/>
+          </a:p>
+          <a:p>
+            <a:pPr lvl="1"/>
+            <a:r>
               <a:rPr lang="en-US" sz="2000" dirty="0"/>
-              <a:t>alembic revision -m "initial“</a:t>
+              <a:t>alembic revision -m "initial“ --autogenerate</a:t>
             </a:r>
           </a:p>
           <a:p>

--- a/ppt/Python22-SQLAlchemy.pptx
+++ b/ppt/Python22-SQLAlchemy.pptx
@@ -5,10 +5,10 @@
     <p:sldMasterId id="2147483653" r:id="rId1"/>
   </p:sldMasterIdLst>
   <p:notesMasterIdLst>
-    <p:notesMasterId r:id="rId16"/>
+    <p:notesMasterId r:id="rId22"/>
   </p:notesMasterIdLst>
   <p:handoutMasterIdLst>
-    <p:handoutMasterId r:id="rId17"/>
+    <p:handoutMasterId r:id="rId23"/>
   </p:handoutMasterIdLst>
   <p:sldIdLst>
     <p:sldId id="264" r:id="rId2"/>
@@ -23,8 +23,14 @@
     <p:sldId id="272" r:id="rId11"/>
     <p:sldId id="273" r:id="rId12"/>
     <p:sldId id="274" r:id="rId13"/>
-    <p:sldId id="277" r:id="rId14"/>
-    <p:sldId id="276" r:id="rId15"/>
+    <p:sldId id="278" r:id="rId14"/>
+    <p:sldId id="282" r:id="rId15"/>
+    <p:sldId id="283" r:id="rId16"/>
+    <p:sldId id="279" r:id="rId17"/>
+    <p:sldId id="280" r:id="rId18"/>
+    <p:sldId id="281" r:id="rId19"/>
+    <p:sldId id="277" r:id="rId20"/>
+    <p:sldId id="276" r:id="rId21"/>
   </p:sldIdLst>
   <p:sldSz cx="9144000" cy="6858000" type="screen4x3"/>
   <p:notesSz cx="6648450" cy="9782175"/>
@@ -4167,7 +4173,7 @@
           <p:cNvPr id="2" name="Titre 1">
             <a:extLst>
               <a:ext uri="{FF2B5EF4-FFF2-40B4-BE49-F238E27FC236}">
-                <a16:creationId xmlns:a16="http://schemas.microsoft.com/office/drawing/2014/main" id="{ECF4BACD-D76B-83CB-93AD-B44C8236DE80}"/>
+                <a16:creationId xmlns:a16="http://schemas.microsoft.com/office/drawing/2014/main" id="{0716937F-56DB-2D5E-3A6C-A0F26A7A2E83}"/>
               </a:ext>
             </a:extLst>
           </p:cNvPr>
@@ -4185,7 +4191,7 @@
           <a:p>
             <a:r>
               <a:rPr lang="fr-FR" dirty="0"/>
-              <a:t>Contraintes</a:t>
+              <a:t>Session</a:t>
             </a:r>
           </a:p>
         </p:txBody>
@@ -4195,7 +4201,7 @@
           <p:cNvPr id="3" name="Espace réservé du contenu 2">
             <a:extLst>
               <a:ext uri="{FF2B5EF4-FFF2-40B4-BE49-F238E27FC236}">
-                <a16:creationId xmlns:a16="http://schemas.microsoft.com/office/drawing/2014/main" id="{74CA3F59-3163-588F-68A3-80CB2DCA1F6B}"/>
+                <a16:creationId xmlns:a16="http://schemas.microsoft.com/office/drawing/2014/main" id="{6850AE9E-7EFA-0DFC-F5F3-71FCA5C38EB8}"/>
               </a:ext>
             </a:extLst>
           </p:cNvPr>
@@ -4213,34 +4219,54 @@
           <a:p>
             <a:r>
               <a:rPr lang="fr-FR" dirty="0"/>
-              <a:t>Unicité</a:t>
-            </a:r>
-          </a:p>
-          <a:p>
-            <a:r>
-              <a:rPr lang="fr-FR" dirty="0"/>
-              <a:t>Type</a:t>
-            </a:r>
-          </a:p>
-          <a:p>
+              <a:t>Pattern Unit of Work</a:t>
+            </a:r>
+          </a:p>
+          <a:p>
+            <a:pPr lvl="1"/>
+            <a:r>
+              <a:rPr lang="fr-FR" dirty="0"/>
+              <a:t>Commit</a:t>
+            </a:r>
+          </a:p>
+          <a:p>
+            <a:pPr lvl="1"/>
             <a:r>
               <a:rPr lang="fr-FR" dirty="0" err="1"/>
-              <a:t>Nullable</a:t>
+              <a:t>Roolback</a:t>
             </a:r>
             <a:endParaRPr lang="fr-FR" dirty="0"/>
           </a:p>
           <a:p>
-            <a:r>
-              <a:rPr lang="fr-FR"/>
-              <a:t>Conditions</a:t>
-            </a:r>
+            <a:pPr lvl="1"/>
+            <a:r>
+              <a:rPr lang="fr-FR" dirty="0" err="1"/>
+              <a:t>Add</a:t>
+            </a:r>
+            <a:endParaRPr lang="fr-FR" dirty="0"/>
+          </a:p>
+          <a:p>
+            <a:pPr lvl="1"/>
+            <a:r>
+              <a:rPr lang="fr-FR" dirty="0" err="1"/>
+              <a:t>Delete</a:t>
+            </a:r>
+            <a:endParaRPr lang="fr-FR" dirty="0"/>
+          </a:p>
+          <a:p>
+            <a:pPr lvl="1"/>
+            <a:r>
+              <a:rPr lang="fr-FR" dirty="0" err="1"/>
+              <a:t>Expunge</a:t>
+            </a:r>
+            <a:endParaRPr lang="fr-FR" dirty="0"/>
           </a:p>
         </p:txBody>
       </p:sp>
     </p:spTree>
     <p:extLst>
       <p:ext uri="{BB962C8B-B14F-4D97-AF65-F5344CB8AC3E}">
-        <p14:creationId xmlns:p14="http://schemas.microsoft.com/office/powerpoint/2010/main" val="54770941"/>
+        <p14:creationId xmlns:p14="http://schemas.microsoft.com/office/powerpoint/2010/main" val="52116351"/>
       </p:ext>
     </p:extLst>
   </p:cSld>
@@ -4272,7 +4298,7 @@
           <p:cNvPr id="2" name="Titre 1">
             <a:extLst>
               <a:ext uri="{FF2B5EF4-FFF2-40B4-BE49-F238E27FC236}">
-                <a16:creationId xmlns:a16="http://schemas.microsoft.com/office/drawing/2014/main" id="{EF72F68E-4A5A-1BB8-F58F-E53694C4B14E}"/>
+                <a16:creationId xmlns:a16="http://schemas.microsoft.com/office/drawing/2014/main" id="{85755D1F-BE1E-3B36-5025-9CD59CB5B131}"/>
               </a:ext>
             </a:extLst>
           </p:cNvPr>
@@ -4289,12 +4315,8 @@
           <a:lstStyle/>
           <a:p>
             <a:r>
-              <a:rPr lang="fr-FR" dirty="0"/>
-              <a:t>Migration </a:t>
-            </a:r>
-            <a:r>
               <a:rPr lang="fr-FR" dirty="0" err="1"/>
-              <a:t>Alembic</a:t>
+              <a:t>Get</a:t>
             </a:r>
             <a:endParaRPr lang="fr-FR" dirty="0"/>
           </a:p>
@@ -4305,7 +4327,7 @@
           <p:cNvPr id="3" name="Espace réservé du contenu 2">
             <a:extLst>
               <a:ext uri="{FF2B5EF4-FFF2-40B4-BE49-F238E27FC236}">
-                <a16:creationId xmlns:a16="http://schemas.microsoft.com/office/drawing/2014/main" id="{B0B559CE-FF07-D054-CD43-E883A8EE934E}"/>
+                <a16:creationId xmlns:a16="http://schemas.microsoft.com/office/drawing/2014/main" id="{62A4ED7A-5695-38BF-690F-7F122DAA4CE4}"/>
               </a:ext>
             </a:extLst>
           </p:cNvPr>
@@ -4322,188 +4344,737 @@
           <a:lstStyle/>
           <a:p>
             <a:r>
+              <a:rPr lang="fr-FR" dirty="0"/>
+              <a:t>Permet d’effectuer une requête sur la clé primaire</a:t>
+            </a:r>
+          </a:p>
+          <a:p>
+            <a:r>
               <a:rPr lang="fr-FR" dirty="0" err="1"/>
-              <a:t>pip</a:t>
-            </a:r>
-            <a:r>
-              <a:rPr lang="fr-FR" dirty="0"/>
-              <a:t> </a:t>
-            </a:r>
-            <a:r>
-              <a:rPr lang="fr-FR" dirty="0" err="1"/>
-              <a:t>install</a:t>
-            </a:r>
-            <a:r>
-              <a:rPr lang="fr-FR" dirty="0"/>
-              <a:t> </a:t>
-            </a:r>
-            <a:r>
-              <a:rPr lang="fr-FR" dirty="0" err="1"/>
-              <a:t>alembic</a:t>
-            </a:r>
-            <a:endParaRPr lang="fr-FR" dirty="0"/>
-          </a:p>
-          <a:p>
-            <a:pPr lvl="1"/>
-            <a:r>
-              <a:rPr lang="fr-FR" sz="2000" dirty="0" err="1"/>
-              <a:t>alembic</a:t>
-            </a:r>
-            <a:r>
-              <a:rPr lang="fr-FR" sz="2000" dirty="0"/>
-              <a:t> init </a:t>
-            </a:r>
-            <a:r>
-              <a:rPr lang="fr-FR" sz="2000" dirty="0" err="1"/>
-              <a:t>alembic</a:t>
-            </a:r>
-            <a:endParaRPr lang="fr-FR" sz="2000" dirty="0"/>
-          </a:p>
-          <a:p>
-            <a:pPr lvl="1"/>
-            <a:r>
-              <a:rPr lang="fr-FR" sz="2000" dirty="0"/>
-              <a:t>Modifier le fichier racine alembic.ini</a:t>
-            </a:r>
-          </a:p>
-          <a:p>
-            <a:pPr lvl="1"/>
-            <a:r>
-              <a:rPr lang="fr-FR" sz="2000" dirty="0"/>
-              <a:t>sqlalchemy.url = postgresql://postgres:sa@localhost/formation</a:t>
-            </a:r>
-          </a:p>
-          <a:p>
-            <a:r>
-              <a:rPr lang="fr-FR" sz="2400" dirty="0"/>
-              <a:t>Création du premier </a:t>
-            </a:r>
-            <a:r>
-              <a:rPr lang="fr-FR" sz="2400" dirty="0" err="1"/>
-              <a:t>migrate</a:t>
-            </a:r>
-            <a:endParaRPr lang="fr-FR" sz="2400" dirty="0"/>
-          </a:p>
-          <a:p>
-            <a:pPr lvl="1"/>
-            <a:r>
-              <a:rPr lang="en-US" sz="2000" dirty="0"/>
-              <a:t>Dans env.py </a:t>
-            </a:r>
-            <a:r>
-              <a:rPr lang="en-US" sz="2000" dirty="0" err="1"/>
-              <a:t>ajouter</a:t>
-            </a:r>
-            <a:r>
-              <a:rPr lang="en-US" sz="2000" dirty="0"/>
-              <a:t> (avec les imports sys et </a:t>
-            </a:r>
-            <a:r>
-              <a:rPr lang="en-US" sz="2000" dirty="0" err="1"/>
-              <a:t>pathlib</a:t>
-            </a:r>
-            <a:r>
-              <a:rPr lang="en-US" sz="2000" dirty="0"/>
-              <a:t>)</a:t>
-            </a:r>
-          </a:p>
-          <a:p>
-            <a:pPr lvl="1"/>
-            <a:r>
-              <a:rPr lang="fr-FR" sz="2000" dirty="0" err="1"/>
-              <a:t>sys.path.insert</a:t>
-            </a:r>
-            <a:r>
-              <a:rPr lang="fr-FR" sz="2000" dirty="0"/>
-              <a:t>(0, </a:t>
-            </a:r>
-            <a:r>
-              <a:rPr lang="fr-FR" sz="2000" dirty="0" err="1"/>
-              <a:t>str</a:t>
-            </a:r>
-            <a:r>
-              <a:rPr lang="fr-FR" sz="2000" dirty="0"/>
-              <a:t>(</a:t>
-            </a:r>
-            <a:r>
-              <a:rPr lang="fr-FR" sz="2000" dirty="0" err="1"/>
-              <a:t>pathlib.Path</a:t>
-            </a:r>
-            <a:r>
-              <a:rPr lang="fr-FR" sz="2000" dirty="0"/>
-              <a:t>(__file__).parent))</a:t>
-            </a:r>
-          </a:p>
-          <a:p>
-            <a:pPr lvl="1"/>
-            <a:r>
-              <a:rPr lang="fr-FR" sz="2000" dirty="0"/>
-              <a:t>Import </a:t>
-            </a:r>
-            <a:r>
-              <a:rPr lang="fr-FR" sz="2000" dirty="0" err="1"/>
-              <a:t>db_context</a:t>
-            </a:r>
-            <a:endParaRPr lang="fr-FR" sz="2000" dirty="0"/>
-          </a:p>
-          <a:p>
-            <a:pPr lvl="1"/>
-            <a:r>
-              <a:rPr lang="fr-FR" sz="2000" dirty="0"/>
-              <a:t>Import </a:t>
-            </a:r>
-            <a:r>
-              <a:rPr lang="fr-FR" sz="2000" dirty="0" err="1"/>
-              <a:t>entities</a:t>
-            </a:r>
-            <a:endParaRPr lang="fr-FR" sz="2000" dirty="0"/>
-          </a:p>
-          <a:p>
-            <a:pPr lvl="1"/>
-            <a:r>
-              <a:rPr lang="fr-FR" sz="2000" dirty="0" err="1"/>
-              <a:t>Alembic</a:t>
-            </a:r>
-            <a:r>
-              <a:rPr lang="fr-FR" sz="2000" dirty="0"/>
-              <a:t> </a:t>
-            </a:r>
-            <a:r>
-              <a:rPr lang="fr-FR" sz="2000" dirty="0" err="1"/>
-              <a:t>current</a:t>
-            </a:r>
-            <a:endParaRPr lang="fr-FR" sz="2000" dirty="0"/>
-          </a:p>
-          <a:p>
-            <a:pPr lvl="1"/>
-            <a:r>
-              <a:rPr lang="en-US" sz="2000" dirty="0"/>
-              <a:t>alembic revision -m "initial“ --autogenerate</a:t>
-            </a:r>
-          </a:p>
-          <a:p>
-            <a:r>
-              <a:rPr lang="en-US" sz="2400" dirty="0"/>
-              <a:t>Première migration</a:t>
-            </a:r>
-          </a:p>
-          <a:p>
-            <a:pPr lvl="1"/>
-            <a:r>
-              <a:rPr lang="en-US" sz="2000" dirty="0"/>
-              <a:t>alembic upgrade head</a:t>
-            </a:r>
-          </a:p>
-          <a:p>
-            <a:pPr lvl="1"/>
-            <a:endParaRPr lang="en-US" sz="2000" dirty="0"/>
+              <a:t>Session.get</a:t>
+            </a:r>
+            <a:r>
+              <a:rPr lang="fr-FR" dirty="0"/>
+              <a:t>(Media, 1)</a:t>
+            </a:r>
           </a:p>
         </p:txBody>
       </p:sp>
     </p:spTree>
     <p:extLst>
       <p:ext uri="{BB962C8B-B14F-4D97-AF65-F5344CB8AC3E}">
-        <p14:creationId xmlns:p14="http://schemas.microsoft.com/office/powerpoint/2010/main" val="581169786"/>
+        <p14:creationId xmlns:p14="http://schemas.microsoft.com/office/powerpoint/2010/main" val="1024925445"/>
+      </p:ext>
+    </p:extLst>
+  </p:cSld>
+  <p:clrMapOvr>
+    <a:masterClrMapping/>
+  </p:clrMapOvr>
+</p:sld>
+</file>
+
+<file path=ppt/slides/slide15.xml><?xml version="1.0" encoding="utf-8"?>
+<p:sld xmlns:a="http://schemas.openxmlformats.org/drawingml/2006/main" xmlns:r="http://schemas.openxmlformats.org/officeDocument/2006/relationships" xmlns:p="http://schemas.openxmlformats.org/presentationml/2006/main">
+  <p:cSld>
+    <p:spTree>
+      <p:nvGrpSpPr>
+        <p:cNvPr id="1" name=""/>
+        <p:cNvGrpSpPr/>
+        <p:nvPr/>
+      </p:nvGrpSpPr>
+      <p:grpSpPr>
+        <a:xfrm>
+          <a:off x="0" y="0"/>
+          <a:ext cx="0" cy="0"/>
+          <a:chOff x="0" y="0"/>
+          <a:chExt cx="0" cy="0"/>
+        </a:xfrm>
+      </p:grpSpPr>
+      <p:sp>
+        <p:nvSpPr>
+          <p:cNvPr id="2" name="Titre 1">
+            <a:extLst>
+              <a:ext uri="{FF2B5EF4-FFF2-40B4-BE49-F238E27FC236}">
+                <a16:creationId xmlns:a16="http://schemas.microsoft.com/office/drawing/2014/main" id="{BB5095B6-50F0-363F-0832-AB9DCCD51C10}"/>
+              </a:ext>
+            </a:extLst>
+          </p:cNvPr>
+          <p:cNvSpPr>
+            <a:spLocks noGrp="1"/>
+          </p:cNvSpPr>
+          <p:nvPr>
+            <p:ph type="title"/>
+          </p:nvPr>
+        </p:nvSpPr>
+        <p:spPr/>
+        <p:txBody>
+          <a:bodyPr/>
+          <a:lstStyle/>
+          <a:p>
+            <a:r>
+              <a:rPr lang="fr-FR" dirty="0" err="1"/>
+              <a:t>Where</a:t>
+            </a:r>
+            <a:endParaRPr lang="fr-FR" dirty="0"/>
+          </a:p>
+        </p:txBody>
+      </p:sp>
+      <p:sp>
+        <p:nvSpPr>
+          <p:cNvPr id="3" name="Espace réservé du contenu 2">
+            <a:extLst>
+              <a:ext uri="{FF2B5EF4-FFF2-40B4-BE49-F238E27FC236}">
+                <a16:creationId xmlns:a16="http://schemas.microsoft.com/office/drawing/2014/main" id="{F0DB8678-07E3-CE13-A189-50179BAF9FD2}"/>
+              </a:ext>
+            </a:extLst>
+          </p:cNvPr>
+          <p:cNvSpPr>
+            <a:spLocks noGrp="1"/>
+          </p:cNvSpPr>
+          <p:nvPr>
+            <p:ph idx="1"/>
+          </p:nvPr>
+        </p:nvSpPr>
+        <p:spPr/>
+        <p:txBody>
+          <a:bodyPr/>
+          <a:lstStyle/>
+          <a:p>
+            <a:r>
+              <a:rPr lang="fr-FR" dirty="0"/>
+              <a:t>Permet d’effectuer une requête </a:t>
+            </a:r>
+            <a:r>
+              <a:rPr lang="fr-FR" dirty="0" err="1"/>
+              <a:t>where</a:t>
+            </a:r>
+            <a:endParaRPr lang="fr-FR" dirty="0"/>
+          </a:p>
+          <a:p>
+            <a:pPr lvl="1"/>
+            <a:r>
+              <a:rPr lang="fr-FR" dirty="0"/>
+              <a:t>In_</a:t>
+            </a:r>
+          </a:p>
+          <a:p>
+            <a:pPr lvl="1"/>
+            <a:r>
+              <a:rPr lang="fr-FR" dirty="0"/>
+              <a:t>And_, &amp;</a:t>
+            </a:r>
+          </a:p>
+          <a:p>
+            <a:pPr lvl="1"/>
+            <a:r>
+              <a:rPr lang="fr-FR" dirty="0"/>
+              <a:t>Or_, |</a:t>
+            </a:r>
+          </a:p>
+          <a:p>
+            <a:pPr lvl="1"/>
+            <a:r>
+              <a:rPr lang="fr-FR" dirty="0"/>
+              <a:t>Like, </a:t>
+            </a:r>
+            <a:r>
+              <a:rPr lang="fr-FR" dirty="0" err="1"/>
+              <a:t>ilike</a:t>
+            </a:r>
+            <a:endParaRPr lang="fr-FR" dirty="0"/>
+          </a:p>
+          <a:p>
+            <a:pPr lvl="1"/>
+            <a:r>
+              <a:rPr lang="fr-FR" dirty="0"/>
+              <a:t>In_</a:t>
+            </a:r>
+          </a:p>
+        </p:txBody>
+      </p:sp>
+    </p:spTree>
+    <p:extLst>
+      <p:ext uri="{BB962C8B-B14F-4D97-AF65-F5344CB8AC3E}">
+        <p14:creationId xmlns:p14="http://schemas.microsoft.com/office/powerpoint/2010/main" val="1301656022"/>
+      </p:ext>
+    </p:extLst>
+  </p:cSld>
+  <p:clrMapOvr>
+    <a:masterClrMapping/>
+  </p:clrMapOvr>
+</p:sld>
+</file>
+
+<file path=ppt/slides/slide16.xml><?xml version="1.0" encoding="utf-8"?>
+<p:sld xmlns:a="http://schemas.openxmlformats.org/drawingml/2006/main" xmlns:r="http://schemas.openxmlformats.org/officeDocument/2006/relationships" xmlns:p="http://schemas.openxmlformats.org/presentationml/2006/main">
+  <p:cSld>
+    <p:spTree>
+      <p:nvGrpSpPr>
+        <p:cNvPr id="1" name=""/>
+        <p:cNvGrpSpPr/>
+        <p:nvPr/>
+      </p:nvGrpSpPr>
+      <p:grpSpPr>
+        <a:xfrm>
+          <a:off x="0" y="0"/>
+          <a:ext cx="0" cy="0"/>
+          <a:chOff x="0" y="0"/>
+          <a:chExt cx="0" cy="0"/>
+        </a:xfrm>
+      </p:grpSpPr>
+      <p:sp>
+        <p:nvSpPr>
+          <p:cNvPr id="2" name="Titre 1">
+            <a:extLst>
+              <a:ext uri="{FF2B5EF4-FFF2-40B4-BE49-F238E27FC236}">
+                <a16:creationId xmlns:a16="http://schemas.microsoft.com/office/drawing/2014/main" id="{4291C709-C016-66F3-4362-32EFDC22895F}"/>
+              </a:ext>
+            </a:extLst>
+          </p:cNvPr>
+          <p:cNvSpPr>
+            <a:spLocks noGrp="1"/>
+          </p:cNvSpPr>
+          <p:nvPr>
+            <p:ph type="title"/>
+          </p:nvPr>
+        </p:nvSpPr>
+        <p:spPr/>
+        <p:txBody>
+          <a:bodyPr/>
+          <a:lstStyle/>
+          <a:p>
+            <a:r>
+              <a:rPr lang="fr-FR" dirty="0" err="1"/>
+              <a:t>Lazy</a:t>
+            </a:r>
+            <a:r>
+              <a:rPr lang="fr-FR" dirty="0"/>
+              <a:t> </a:t>
+            </a:r>
+            <a:r>
+              <a:rPr lang="fr-FR"/>
+              <a:t>loading</a:t>
+            </a:r>
+            <a:endParaRPr lang="fr-FR" dirty="0"/>
+          </a:p>
+        </p:txBody>
+      </p:sp>
+      <p:sp>
+        <p:nvSpPr>
+          <p:cNvPr id="3" name="Espace réservé du contenu 2">
+            <a:extLst>
+              <a:ext uri="{FF2B5EF4-FFF2-40B4-BE49-F238E27FC236}">
+                <a16:creationId xmlns:a16="http://schemas.microsoft.com/office/drawing/2014/main" id="{A90FC8E2-76EE-7C89-D6B4-CF6911EA9213}"/>
+              </a:ext>
+            </a:extLst>
+          </p:cNvPr>
+          <p:cNvSpPr>
+            <a:spLocks noGrp="1"/>
+          </p:cNvSpPr>
+          <p:nvPr>
+            <p:ph idx="1"/>
+          </p:nvPr>
+        </p:nvSpPr>
+        <p:spPr/>
+        <p:txBody>
+          <a:bodyPr/>
+          <a:lstStyle/>
+          <a:p>
+            <a:r>
+              <a:rPr lang="fr-FR" dirty="0"/>
+              <a:t>Chargement différé</a:t>
+            </a:r>
+          </a:p>
+          <a:p>
+            <a:r>
+              <a:rPr lang="fr-FR" dirty="0"/>
+              <a:t>Problème des 2 requêtes</a:t>
+            </a:r>
+          </a:p>
+          <a:p>
+            <a:r>
+              <a:rPr lang="fr-FR" dirty="0"/>
+              <a:t>Problème des N+1 requêtes</a:t>
+            </a:r>
+          </a:p>
+          <a:p>
+            <a:r>
+              <a:rPr lang="fr-FR" dirty="0" err="1"/>
+              <a:t>Scalars</a:t>
+            </a:r>
+            <a:r>
+              <a:rPr lang="fr-FR" dirty="0"/>
+              <a:t>() déclenche la requête</a:t>
+            </a:r>
+          </a:p>
+        </p:txBody>
+      </p:sp>
+    </p:spTree>
+    <p:extLst>
+      <p:ext uri="{BB962C8B-B14F-4D97-AF65-F5344CB8AC3E}">
+        <p14:creationId xmlns:p14="http://schemas.microsoft.com/office/powerpoint/2010/main" val="1361128464"/>
+      </p:ext>
+    </p:extLst>
+  </p:cSld>
+  <p:clrMapOvr>
+    <a:masterClrMapping/>
+  </p:clrMapOvr>
+</p:sld>
+</file>
+
+<file path=ppt/slides/slide17.xml><?xml version="1.0" encoding="utf-8"?>
+<p:sld xmlns:a="http://schemas.openxmlformats.org/drawingml/2006/main" xmlns:r="http://schemas.openxmlformats.org/officeDocument/2006/relationships" xmlns:p="http://schemas.openxmlformats.org/presentationml/2006/main">
+  <p:cSld>
+    <p:spTree>
+      <p:nvGrpSpPr>
+        <p:cNvPr id="1" name=""/>
+        <p:cNvGrpSpPr/>
+        <p:nvPr/>
+      </p:nvGrpSpPr>
+      <p:grpSpPr>
+        <a:xfrm>
+          <a:off x="0" y="0"/>
+          <a:ext cx="0" cy="0"/>
+          <a:chOff x="0" y="0"/>
+          <a:chExt cx="0" cy="0"/>
+        </a:xfrm>
+      </p:grpSpPr>
+      <p:sp>
+        <p:nvSpPr>
+          <p:cNvPr id="2" name="Titre 1">
+            <a:extLst>
+              <a:ext uri="{FF2B5EF4-FFF2-40B4-BE49-F238E27FC236}">
+                <a16:creationId xmlns:a16="http://schemas.microsoft.com/office/drawing/2014/main" id="{0CFB3CA2-82A7-D5C4-6B2A-80E3D2EF0A8C}"/>
+              </a:ext>
+            </a:extLst>
+          </p:cNvPr>
+          <p:cNvSpPr>
+            <a:spLocks noGrp="1"/>
+          </p:cNvSpPr>
+          <p:nvPr>
+            <p:ph type="title"/>
+          </p:nvPr>
+        </p:nvSpPr>
+        <p:spPr/>
+        <p:txBody>
+          <a:bodyPr/>
+          <a:lstStyle/>
+          <a:p>
+            <a:r>
+              <a:rPr lang="fr-FR" dirty="0" err="1"/>
+              <a:t>EaggerLoad</a:t>
+            </a:r>
+            <a:endParaRPr lang="fr-FR" dirty="0"/>
+          </a:p>
+        </p:txBody>
+      </p:sp>
+      <p:sp>
+        <p:nvSpPr>
+          <p:cNvPr id="3" name="Espace réservé du contenu 2">
+            <a:extLst>
+              <a:ext uri="{FF2B5EF4-FFF2-40B4-BE49-F238E27FC236}">
+                <a16:creationId xmlns:a16="http://schemas.microsoft.com/office/drawing/2014/main" id="{5A4D7EF3-524B-CFC0-E396-7F894BD7A619}"/>
+              </a:ext>
+            </a:extLst>
+          </p:cNvPr>
+          <p:cNvSpPr>
+            <a:spLocks noGrp="1"/>
+          </p:cNvSpPr>
+          <p:nvPr>
+            <p:ph idx="1"/>
+          </p:nvPr>
+        </p:nvSpPr>
+        <p:spPr/>
+        <p:txBody>
+          <a:bodyPr/>
+          <a:lstStyle/>
+          <a:p>
+            <a:r>
+              <a:rPr lang="fr-FR" dirty="0" err="1"/>
+              <a:t>joinedLoad</a:t>
+            </a:r>
+            <a:endParaRPr lang="fr-FR" dirty="0"/>
+          </a:p>
+          <a:p>
+            <a:pPr lvl="1"/>
+            <a:r>
+              <a:rPr lang="fr-FR" dirty="0"/>
+              <a:t>Permet d’effectuer un </a:t>
+            </a:r>
+            <a:r>
+              <a:rPr lang="fr-FR" dirty="0" err="1"/>
+              <a:t>eagger</a:t>
+            </a:r>
+            <a:r>
+              <a:rPr lang="fr-FR" dirty="0"/>
+              <a:t> </a:t>
+            </a:r>
+            <a:r>
+              <a:rPr lang="fr-FR" dirty="0" err="1"/>
+              <a:t>loard</a:t>
+            </a:r>
+            <a:r>
+              <a:rPr lang="fr-FR" dirty="0"/>
+              <a:t> sur une jointure</a:t>
+            </a:r>
+          </a:p>
+          <a:p>
+            <a:pPr lvl="1"/>
+            <a:r>
+              <a:rPr lang="en-US" dirty="0" err="1"/>
+              <a:t>session.execute</a:t>
+            </a:r>
+            <a:r>
+              <a:rPr lang="en-US" dirty="0"/>
+              <a:t>(select(Media).options(</a:t>
+            </a:r>
+            <a:r>
+              <a:rPr lang="en-US" dirty="0" err="1"/>
+              <a:t>joinedload</a:t>
+            </a:r>
+            <a:r>
+              <a:rPr lang="en-US" dirty="0"/>
+              <a:t>(</a:t>
+            </a:r>
+            <a:r>
+              <a:rPr lang="en-US" dirty="0" err="1"/>
+              <a:t>Media.publisher</a:t>
+            </a:r>
+            <a:r>
+              <a:rPr lang="en-US" dirty="0"/>
+              <a:t>))</a:t>
+            </a:r>
+            <a:endParaRPr lang="fr-FR" dirty="0"/>
+          </a:p>
+        </p:txBody>
+      </p:sp>
+    </p:spTree>
+    <p:extLst>
+      <p:ext uri="{BB962C8B-B14F-4D97-AF65-F5344CB8AC3E}">
+        <p14:creationId xmlns:p14="http://schemas.microsoft.com/office/powerpoint/2010/main" val="3711917713"/>
+      </p:ext>
+    </p:extLst>
+  </p:cSld>
+  <p:clrMapOvr>
+    <a:masterClrMapping/>
+  </p:clrMapOvr>
+</p:sld>
+</file>
+
+<file path=ppt/slides/slide18.xml><?xml version="1.0" encoding="utf-8"?>
+<p:sld xmlns:a="http://schemas.openxmlformats.org/drawingml/2006/main" xmlns:r="http://schemas.openxmlformats.org/officeDocument/2006/relationships" xmlns:p="http://schemas.openxmlformats.org/presentationml/2006/main">
+  <p:cSld>
+    <p:spTree>
+      <p:nvGrpSpPr>
+        <p:cNvPr id="1" name=""/>
+        <p:cNvGrpSpPr/>
+        <p:nvPr/>
+      </p:nvGrpSpPr>
+      <p:grpSpPr>
+        <a:xfrm>
+          <a:off x="0" y="0"/>
+          <a:ext cx="0" cy="0"/>
+          <a:chOff x="0" y="0"/>
+          <a:chExt cx="0" cy="0"/>
+        </a:xfrm>
+      </p:grpSpPr>
+      <p:sp>
+        <p:nvSpPr>
+          <p:cNvPr id="2" name="Titre 1">
+            <a:extLst>
+              <a:ext uri="{FF2B5EF4-FFF2-40B4-BE49-F238E27FC236}">
+                <a16:creationId xmlns:a16="http://schemas.microsoft.com/office/drawing/2014/main" id="{45702FF4-2D51-B292-DC3D-4290D12E7B02}"/>
+              </a:ext>
+            </a:extLst>
+          </p:cNvPr>
+          <p:cNvSpPr>
+            <a:spLocks noGrp="1"/>
+          </p:cNvSpPr>
+          <p:nvPr>
+            <p:ph type="title"/>
+          </p:nvPr>
+        </p:nvSpPr>
+        <p:spPr/>
+        <p:txBody>
+          <a:bodyPr/>
+          <a:lstStyle/>
+          <a:p>
+            <a:r>
+              <a:rPr lang="fr-FR" dirty="0" err="1"/>
+              <a:t>Join</a:t>
+            </a:r>
+            <a:endParaRPr lang="fr-FR" dirty="0"/>
+          </a:p>
+        </p:txBody>
+      </p:sp>
+      <p:sp>
+        <p:nvSpPr>
+          <p:cNvPr id="3" name="Espace réservé du contenu 2">
+            <a:extLst>
+              <a:ext uri="{FF2B5EF4-FFF2-40B4-BE49-F238E27FC236}">
+                <a16:creationId xmlns:a16="http://schemas.microsoft.com/office/drawing/2014/main" id="{E6F178F2-7AB6-1E45-4E0F-DCB86BF7596A}"/>
+              </a:ext>
+            </a:extLst>
+          </p:cNvPr>
+          <p:cNvSpPr>
+            <a:spLocks noGrp="1"/>
+          </p:cNvSpPr>
+          <p:nvPr>
+            <p:ph idx="1"/>
+          </p:nvPr>
+        </p:nvSpPr>
+        <p:spPr/>
+        <p:txBody>
+          <a:bodyPr/>
+          <a:lstStyle/>
+          <a:p>
+            <a:r>
+              <a:rPr lang="fr-FR" dirty="0"/>
+              <a:t>Permet d’effectuer un </a:t>
+            </a:r>
+            <a:r>
+              <a:rPr lang="fr-FR" dirty="0" err="1"/>
+              <a:t>where</a:t>
+            </a:r>
+            <a:r>
+              <a:rPr lang="fr-FR" dirty="0"/>
+              <a:t> sur une classe jointe</a:t>
+            </a:r>
+          </a:p>
+          <a:p>
+            <a:r>
+              <a:rPr lang="en-US" dirty="0" err="1"/>
+              <a:t>session.execute</a:t>
+            </a:r>
+            <a:r>
+              <a:rPr lang="en-US" dirty="0"/>
+              <a:t>(select(Media).join(Publisher).where(</a:t>
+            </a:r>
+            <a:r>
+              <a:rPr lang="en-US" dirty="0" err="1"/>
+              <a:t>Publisher.name.ilike</a:t>
+            </a:r>
+            <a:r>
+              <a:rPr lang="en-US" dirty="0"/>
+              <a:t>_("vincent%")))</a:t>
+            </a:r>
+          </a:p>
+          <a:p>
+            <a:r>
+              <a:rPr lang="en-US" dirty="0"/>
+              <a:t>Ne pas </a:t>
+            </a:r>
+            <a:r>
+              <a:rPr lang="en-US" dirty="0" err="1"/>
+              <a:t>confondre</a:t>
+            </a:r>
+            <a:r>
+              <a:rPr lang="en-US" dirty="0"/>
+              <a:t> join et </a:t>
+            </a:r>
+            <a:r>
+              <a:rPr lang="en-US" dirty="0" err="1"/>
+              <a:t>joinedLoad</a:t>
+            </a:r>
+            <a:endParaRPr lang="en-US" dirty="0"/>
+          </a:p>
+          <a:p>
+            <a:pPr lvl="1"/>
+            <a:r>
+              <a:rPr lang="en-US" dirty="0" err="1"/>
+              <a:t>session.execute</a:t>
+            </a:r>
+            <a:r>
+              <a:rPr lang="en-US" dirty="0"/>
+              <a:t>(select(Media).join(Publisher).where(</a:t>
+            </a:r>
+            <a:r>
+              <a:rPr lang="en-US" dirty="0" err="1"/>
+              <a:t>Publisher.name.ilike</a:t>
+            </a:r>
+            <a:r>
+              <a:rPr lang="en-US" dirty="0"/>
+              <a:t>_("vincent%")))</a:t>
+            </a:r>
+          </a:p>
+          <a:p>
+            <a:pPr lvl="1"/>
+            <a:r>
+              <a:rPr lang="en-US" dirty="0" err="1"/>
+              <a:t>Media.publisher</a:t>
+            </a:r>
+            <a:r>
+              <a:rPr lang="en-US" dirty="0"/>
+              <a:t> = 2 </a:t>
+            </a:r>
+            <a:r>
+              <a:rPr lang="en-US" dirty="0" err="1"/>
+              <a:t>requêtes</a:t>
+            </a:r>
+            <a:endParaRPr lang="en-US" dirty="0"/>
+          </a:p>
+          <a:p>
+            <a:pPr lvl="1"/>
+            <a:r>
+              <a:rPr lang="en-US" dirty="0" err="1"/>
+              <a:t>session.execute</a:t>
+            </a:r>
+            <a:r>
+              <a:rPr lang="en-US" dirty="0"/>
+              <a:t>(select(Media).options(</a:t>
+            </a:r>
+            <a:r>
+              <a:rPr lang="en-US" dirty="0" err="1"/>
+              <a:t>joinedload</a:t>
+            </a:r>
+            <a:r>
+              <a:rPr lang="en-US" dirty="0"/>
+              <a:t>(</a:t>
+            </a:r>
+            <a:r>
+              <a:rPr lang="en-US" dirty="0" err="1"/>
+              <a:t>Media.publisher</a:t>
+            </a:r>
+            <a:r>
+              <a:rPr lang="en-US" dirty="0"/>
+              <a:t>)).join(Publisher).where(Publisher.name == "Vincent"))</a:t>
+            </a:r>
+          </a:p>
+          <a:p>
+            <a:pPr lvl="1"/>
+            <a:r>
+              <a:rPr lang="en-US" dirty="0" err="1"/>
+              <a:t>Media.publisher</a:t>
+            </a:r>
+            <a:r>
+              <a:rPr lang="en-US" dirty="0"/>
+              <a:t> = 1 </a:t>
+            </a:r>
+            <a:r>
+              <a:rPr lang="en-US" dirty="0" err="1"/>
+              <a:t>requête</a:t>
+            </a:r>
+            <a:endParaRPr lang="en-US" dirty="0"/>
+          </a:p>
+          <a:p>
+            <a:pPr lvl="1"/>
+            <a:endParaRPr lang="en-US" dirty="0"/>
+          </a:p>
+          <a:p>
+            <a:pPr lvl="1"/>
+            <a:endParaRPr lang="fr-FR" dirty="0"/>
+          </a:p>
+        </p:txBody>
+      </p:sp>
+    </p:spTree>
+    <p:extLst>
+      <p:ext uri="{BB962C8B-B14F-4D97-AF65-F5344CB8AC3E}">
+        <p14:creationId xmlns:p14="http://schemas.microsoft.com/office/powerpoint/2010/main" val="160409380"/>
+      </p:ext>
+    </p:extLst>
+  </p:cSld>
+  <p:clrMapOvr>
+    <a:masterClrMapping/>
+  </p:clrMapOvr>
+</p:sld>
+</file>
+
+<file path=ppt/slides/slide19.xml><?xml version="1.0" encoding="utf-8"?>
+<p:sld xmlns:a="http://schemas.openxmlformats.org/drawingml/2006/main" xmlns:r="http://schemas.openxmlformats.org/officeDocument/2006/relationships" xmlns:p="http://schemas.openxmlformats.org/presentationml/2006/main">
+  <p:cSld>
+    <p:spTree>
+      <p:nvGrpSpPr>
+        <p:cNvPr id="1" name=""/>
+        <p:cNvGrpSpPr/>
+        <p:nvPr/>
+      </p:nvGrpSpPr>
+      <p:grpSpPr>
+        <a:xfrm>
+          <a:off x="0" y="0"/>
+          <a:ext cx="0" cy="0"/>
+          <a:chOff x="0" y="0"/>
+          <a:chExt cx="0" cy="0"/>
+        </a:xfrm>
+      </p:grpSpPr>
+      <p:sp>
+        <p:nvSpPr>
+          <p:cNvPr id="2" name="Titre 1">
+            <a:extLst>
+              <a:ext uri="{FF2B5EF4-FFF2-40B4-BE49-F238E27FC236}">
+                <a16:creationId xmlns:a16="http://schemas.microsoft.com/office/drawing/2014/main" id="{ECF4BACD-D76B-83CB-93AD-B44C8236DE80}"/>
+              </a:ext>
+            </a:extLst>
+          </p:cNvPr>
+          <p:cNvSpPr>
+            <a:spLocks noGrp="1"/>
+          </p:cNvSpPr>
+          <p:nvPr>
+            <p:ph type="title"/>
+          </p:nvPr>
+        </p:nvSpPr>
+        <p:spPr/>
+        <p:txBody>
+          <a:bodyPr/>
+          <a:lstStyle/>
+          <a:p>
+            <a:r>
+              <a:rPr lang="fr-FR" dirty="0"/>
+              <a:t>Contraintes</a:t>
+            </a:r>
+          </a:p>
+        </p:txBody>
+      </p:sp>
+      <p:sp>
+        <p:nvSpPr>
+          <p:cNvPr id="3" name="Espace réservé du contenu 2">
+            <a:extLst>
+              <a:ext uri="{FF2B5EF4-FFF2-40B4-BE49-F238E27FC236}">
+                <a16:creationId xmlns:a16="http://schemas.microsoft.com/office/drawing/2014/main" id="{74CA3F59-3163-588F-68A3-80CB2DCA1F6B}"/>
+              </a:ext>
+            </a:extLst>
+          </p:cNvPr>
+          <p:cNvSpPr>
+            <a:spLocks noGrp="1"/>
+          </p:cNvSpPr>
+          <p:nvPr>
+            <p:ph idx="1"/>
+          </p:nvPr>
+        </p:nvSpPr>
+        <p:spPr/>
+        <p:txBody>
+          <a:bodyPr/>
+          <a:lstStyle/>
+          <a:p>
+            <a:r>
+              <a:rPr lang="fr-FR" dirty="0"/>
+              <a:t>Unicité</a:t>
+            </a:r>
+          </a:p>
+          <a:p>
+            <a:r>
+              <a:rPr lang="fr-FR" dirty="0"/>
+              <a:t>Type</a:t>
+            </a:r>
+          </a:p>
+          <a:p>
+            <a:r>
+              <a:rPr lang="fr-FR" dirty="0" err="1"/>
+              <a:t>Nullable</a:t>
+            </a:r>
+            <a:endParaRPr lang="fr-FR" dirty="0"/>
+          </a:p>
+          <a:p>
+            <a:r>
+              <a:rPr lang="fr-FR"/>
+              <a:t>Conditions</a:t>
+            </a:r>
+          </a:p>
+        </p:txBody>
+      </p:sp>
+    </p:spTree>
+    <p:extLst>
+      <p:ext uri="{BB962C8B-B14F-4D97-AF65-F5344CB8AC3E}">
+        <p14:creationId xmlns:p14="http://schemas.microsoft.com/office/powerpoint/2010/main" val="54770941"/>
       </p:ext>
     </p:extLst>
   </p:cSld>
@@ -4679,6 +5250,269 @@
     <p:extLst>
       <p:ext uri="{BB962C8B-B14F-4D97-AF65-F5344CB8AC3E}">
         <p14:creationId xmlns:p14="http://schemas.microsoft.com/office/powerpoint/2010/main" val="1944501722"/>
+      </p:ext>
+    </p:extLst>
+  </p:cSld>
+  <p:clrMapOvr>
+    <a:masterClrMapping/>
+  </p:clrMapOvr>
+</p:sld>
+</file>
+
+<file path=ppt/slides/slide20.xml><?xml version="1.0" encoding="utf-8"?>
+<p:sld xmlns:a="http://schemas.openxmlformats.org/drawingml/2006/main" xmlns:r="http://schemas.openxmlformats.org/officeDocument/2006/relationships" xmlns:p="http://schemas.openxmlformats.org/presentationml/2006/main">
+  <p:cSld>
+    <p:spTree>
+      <p:nvGrpSpPr>
+        <p:cNvPr id="1" name=""/>
+        <p:cNvGrpSpPr/>
+        <p:nvPr/>
+      </p:nvGrpSpPr>
+      <p:grpSpPr>
+        <a:xfrm>
+          <a:off x="0" y="0"/>
+          <a:ext cx="0" cy="0"/>
+          <a:chOff x="0" y="0"/>
+          <a:chExt cx="0" cy="0"/>
+        </a:xfrm>
+      </p:grpSpPr>
+      <p:sp>
+        <p:nvSpPr>
+          <p:cNvPr id="2" name="Titre 1">
+            <a:extLst>
+              <a:ext uri="{FF2B5EF4-FFF2-40B4-BE49-F238E27FC236}">
+                <a16:creationId xmlns:a16="http://schemas.microsoft.com/office/drawing/2014/main" id="{EF72F68E-4A5A-1BB8-F58F-E53694C4B14E}"/>
+              </a:ext>
+            </a:extLst>
+          </p:cNvPr>
+          <p:cNvSpPr>
+            <a:spLocks noGrp="1"/>
+          </p:cNvSpPr>
+          <p:nvPr>
+            <p:ph type="title"/>
+          </p:nvPr>
+        </p:nvSpPr>
+        <p:spPr/>
+        <p:txBody>
+          <a:bodyPr/>
+          <a:lstStyle/>
+          <a:p>
+            <a:r>
+              <a:rPr lang="fr-FR" dirty="0"/>
+              <a:t>Migration </a:t>
+            </a:r>
+            <a:r>
+              <a:rPr lang="fr-FR" dirty="0" err="1"/>
+              <a:t>Alembic</a:t>
+            </a:r>
+            <a:endParaRPr lang="fr-FR" dirty="0"/>
+          </a:p>
+        </p:txBody>
+      </p:sp>
+      <p:sp>
+        <p:nvSpPr>
+          <p:cNvPr id="3" name="Espace réservé du contenu 2">
+            <a:extLst>
+              <a:ext uri="{FF2B5EF4-FFF2-40B4-BE49-F238E27FC236}">
+                <a16:creationId xmlns:a16="http://schemas.microsoft.com/office/drawing/2014/main" id="{B0B559CE-FF07-D054-CD43-E883A8EE934E}"/>
+              </a:ext>
+            </a:extLst>
+          </p:cNvPr>
+          <p:cNvSpPr>
+            <a:spLocks noGrp="1"/>
+          </p:cNvSpPr>
+          <p:nvPr>
+            <p:ph idx="1"/>
+          </p:nvPr>
+        </p:nvSpPr>
+        <p:spPr/>
+        <p:txBody>
+          <a:bodyPr/>
+          <a:lstStyle/>
+          <a:p>
+            <a:r>
+              <a:rPr lang="fr-FR" dirty="0" err="1"/>
+              <a:t>pip</a:t>
+            </a:r>
+            <a:r>
+              <a:rPr lang="fr-FR" dirty="0"/>
+              <a:t> </a:t>
+            </a:r>
+            <a:r>
+              <a:rPr lang="fr-FR" dirty="0" err="1"/>
+              <a:t>install</a:t>
+            </a:r>
+            <a:r>
+              <a:rPr lang="fr-FR" dirty="0"/>
+              <a:t> </a:t>
+            </a:r>
+            <a:r>
+              <a:rPr lang="fr-FR" dirty="0" err="1"/>
+              <a:t>alembic</a:t>
+            </a:r>
+            <a:endParaRPr lang="fr-FR" dirty="0"/>
+          </a:p>
+          <a:p>
+            <a:pPr lvl="1"/>
+            <a:r>
+              <a:rPr lang="fr-FR" sz="2000" dirty="0" err="1"/>
+              <a:t>alembic</a:t>
+            </a:r>
+            <a:r>
+              <a:rPr lang="fr-FR" sz="2000" dirty="0"/>
+              <a:t> init </a:t>
+            </a:r>
+            <a:r>
+              <a:rPr lang="fr-FR" sz="2000" dirty="0" err="1"/>
+              <a:t>alembic</a:t>
+            </a:r>
+            <a:endParaRPr lang="fr-FR" sz="2000" dirty="0"/>
+          </a:p>
+          <a:p>
+            <a:pPr lvl="1"/>
+            <a:r>
+              <a:rPr lang="fr-FR" sz="2000" dirty="0"/>
+              <a:t>Modifier le fichier racine alembic.ini</a:t>
+            </a:r>
+          </a:p>
+          <a:p>
+            <a:pPr lvl="1"/>
+            <a:r>
+              <a:rPr lang="fr-FR" sz="2000" dirty="0"/>
+              <a:t>sqlalchemy.url = postgresql://postgres:sa@localhost/formation</a:t>
+            </a:r>
+          </a:p>
+          <a:p>
+            <a:r>
+              <a:rPr lang="fr-FR" sz="2400" dirty="0"/>
+              <a:t>Création du premier </a:t>
+            </a:r>
+            <a:r>
+              <a:rPr lang="fr-FR" sz="2400" dirty="0" err="1"/>
+              <a:t>migrate</a:t>
+            </a:r>
+            <a:endParaRPr lang="fr-FR" sz="2400" dirty="0"/>
+          </a:p>
+          <a:p>
+            <a:pPr lvl="1"/>
+            <a:r>
+              <a:rPr lang="en-US" sz="2000" dirty="0"/>
+              <a:t>Dans env.py </a:t>
+            </a:r>
+            <a:r>
+              <a:rPr lang="en-US" sz="2000" dirty="0" err="1"/>
+              <a:t>ajouter</a:t>
+            </a:r>
+            <a:r>
+              <a:rPr lang="en-US" sz="2000" dirty="0"/>
+              <a:t> (avec les imports sys et </a:t>
+            </a:r>
+            <a:r>
+              <a:rPr lang="en-US" sz="2000" dirty="0" err="1"/>
+              <a:t>pathlib</a:t>
+            </a:r>
+            <a:r>
+              <a:rPr lang="en-US" sz="2000" dirty="0"/>
+              <a:t>)</a:t>
+            </a:r>
+          </a:p>
+          <a:p>
+            <a:pPr lvl="1"/>
+            <a:r>
+              <a:rPr lang="fr-FR" sz="2000" dirty="0" err="1"/>
+              <a:t>sys.path.insert</a:t>
+            </a:r>
+            <a:r>
+              <a:rPr lang="fr-FR" sz="2000" dirty="0"/>
+              <a:t>(0, </a:t>
+            </a:r>
+            <a:r>
+              <a:rPr lang="fr-FR" sz="2000" dirty="0" err="1"/>
+              <a:t>str</a:t>
+            </a:r>
+            <a:r>
+              <a:rPr lang="fr-FR" sz="2000" dirty="0"/>
+              <a:t>(</a:t>
+            </a:r>
+            <a:r>
+              <a:rPr lang="fr-FR" sz="2000" dirty="0" err="1"/>
+              <a:t>pathlib.Path</a:t>
+            </a:r>
+            <a:r>
+              <a:rPr lang="fr-FR" sz="2000" dirty="0"/>
+              <a:t>(__file__).parent))</a:t>
+            </a:r>
+          </a:p>
+          <a:p>
+            <a:pPr lvl="1"/>
+            <a:r>
+              <a:rPr lang="fr-FR" sz="2000" dirty="0"/>
+              <a:t>Import </a:t>
+            </a:r>
+            <a:r>
+              <a:rPr lang="fr-FR" sz="2000" dirty="0" err="1"/>
+              <a:t>db_context</a:t>
+            </a:r>
+            <a:endParaRPr lang="fr-FR" sz="2000" dirty="0"/>
+          </a:p>
+          <a:p>
+            <a:pPr lvl="1"/>
+            <a:r>
+              <a:rPr lang="fr-FR" sz="2000" dirty="0"/>
+              <a:t>Import </a:t>
+            </a:r>
+            <a:r>
+              <a:rPr lang="fr-FR" sz="2000" dirty="0" err="1"/>
+              <a:t>entities</a:t>
+            </a:r>
+            <a:endParaRPr lang="fr-FR" sz="2000" dirty="0"/>
+          </a:p>
+          <a:p>
+            <a:pPr lvl="1"/>
+            <a:r>
+              <a:rPr lang="fr-FR" sz="2000" dirty="0" err="1"/>
+              <a:t>Alembic</a:t>
+            </a:r>
+            <a:r>
+              <a:rPr lang="fr-FR" sz="2000" dirty="0"/>
+              <a:t> </a:t>
+            </a:r>
+            <a:r>
+              <a:rPr lang="fr-FR" sz="2000" dirty="0" err="1"/>
+              <a:t>current</a:t>
+            </a:r>
+            <a:endParaRPr lang="fr-FR" sz="2000" dirty="0"/>
+          </a:p>
+          <a:p>
+            <a:pPr lvl="1"/>
+            <a:r>
+              <a:rPr lang="en-US" sz="2000" dirty="0"/>
+              <a:t>alembic revision -m "initial“ --autogenerate</a:t>
+            </a:r>
+          </a:p>
+          <a:p>
+            <a:r>
+              <a:rPr lang="en-US" sz="2400" dirty="0"/>
+              <a:t>Première migration</a:t>
+            </a:r>
+          </a:p>
+          <a:p>
+            <a:pPr lvl="1"/>
+            <a:r>
+              <a:rPr lang="en-US" sz="2000" dirty="0"/>
+              <a:t>alembic upgrade head</a:t>
+            </a:r>
+          </a:p>
+          <a:p>
+            <a:pPr lvl="1"/>
+            <a:endParaRPr lang="en-US" sz="2000" dirty="0"/>
+          </a:p>
+        </p:txBody>
+      </p:sp>
+    </p:spTree>
+    <p:extLst>
+      <p:ext uri="{BB962C8B-B14F-4D97-AF65-F5344CB8AC3E}">
+        <p14:creationId xmlns:p14="http://schemas.microsoft.com/office/powerpoint/2010/main" val="581169786"/>
       </p:ext>
     </p:extLst>
   </p:cSld>
